--- a/notes/synthlik/Synthetic_Likelihood.pptx
+++ b/notes/synthlik/Synthetic_Likelihood.pptx
@@ -171,7 +171,7 @@
   </p:defaultTextStyle>
   <p:extLst>
     <p:ext uri="{EFAFB233-063F-42B5-8137-9DF3F51BA10A}">
-      <p15:sldGuideLst xmlns:p15="http://schemas.microsoft.com/office/powerpoint/2012/main">
+      <p15:sldGuideLst xmlns:p15="http://schemas.microsoft.com/office/powerpoint/2012/main" xmlns="">
         <p15:guide id="1" orient="horz" pos="2160">
           <p15:clr>
             <a:srgbClr val="A4A3A4"/>
@@ -361,7 +361,7 @@
             <a:noFill/>
           </a:ln>
           <a:extLst>
-            <a:ext uri="{91240B29-F687-4F45-9708-019B960494DF}">
+            <a:ext uri="{91240B29-F687-4f45-9708-019B960494DF}">
               <a14:hiddenLine xmlns:a14="http://schemas.microsoft.com/office/drawing/2010/main" w="9525">
                 <a:solidFill>
                   <a:srgbClr val="000000"/>
@@ -460,7 +460,7 @@
   <p:clrMapOvr>
     <a:masterClrMapping/>
   </p:clrMapOvr>
-  <p:transition/>
+  <p:transition xmlns:p14="http://schemas.microsoft.com/office/powerpoint/2010/main"/>
 </p:sldLayout>
 </file>
 
@@ -640,7 +640,7 @@
   <p:clrMapOvr>
     <a:masterClrMapping/>
   </p:clrMapOvr>
-  <p:transition/>
+  <p:transition xmlns:p14="http://schemas.microsoft.com/office/powerpoint/2010/main"/>
 </p:sldLayout>
 </file>
 
@@ -830,7 +830,7 @@
   <p:clrMapOvr>
     <a:masterClrMapping/>
   </p:clrMapOvr>
-  <p:transition/>
+  <p:transition xmlns:p14="http://schemas.microsoft.com/office/powerpoint/2010/main"/>
 </p:sldLayout>
 </file>
 
@@ -1007,7 +1007,7 @@
   <p:clrMapOvr>
     <a:masterClrMapping/>
   </p:clrMapOvr>
-  <p:transition/>
+  <p:transition xmlns:p14="http://schemas.microsoft.com/office/powerpoint/2010/main"/>
 </p:sldLayout>
 </file>
 
@@ -1187,7 +1187,7 @@
   <p:clrMapOvr>
     <a:masterClrMapping/>
   </p:clrMapOvr>
-  <p:transition/>
+  <p:transition xmlns:p14="http://schemas.microsoft.com/office/powerpoint/2010/main"/>
 </p:sldLayout>
 </file>
 
@@ -1389,7 +1389,7 @@
   <p:clrMapOvr>
     <a:masterClrMapping/>
   </p:clrMapOvr>
-  <p:transition/>
+  <p:transition xmlns:p14="http://schemas.microsoft.com/office/powerpoint/2010/main"/>
 </p:sldLayout>
 </file>
 
@@ -1631,7 +1631,7 @@
   <p:clrMapOvr>
     <a:masterClrMapping/>
   </p:clrMapOvr>
-  <p:transition/>
+  <p:transition xmlns:p14="http://schemas.microsoft.com/office/powerpoint/2010/main"/>
 </p:sldLayout>
 </file>
 
@@ -2008,7 +2008,7 @@
   <p:clrMapOvr>
     <a:masterClrMapping/>
   </p:clrMapOvr>
-  <p:transition/>
+  <p:transition xmlns:p14="http://schemas.microsoft.com/office/powerpoint/2010/main"/>
 </p:sldLayout>
 </file>
 
@@ -2136,7 +2136,7 @@
   <p:clrMapOvr>
     <a:masterClrMapping/>
   </p:clrMapOvr>
-  <p:transition/>
+  <p:transition xmlns:p14="http://schemas.microsoft.com/office/powerpoint/2010/main"/>
 </p:sldLayout>
 </file>
 
@@ -2241,7 +2241,7 @@
   <p:clrMapOvr>
     <a:masterClrMapping/>
   </p:clrMapOvr>
-  <p:transition/>
+  <p:transition xmlns:p14="http://schemas.microsoft.com/office/powerpoint/2010/main"/>
 </p:sldLayout>
 </file>
 
@@ -2528,7 +2528,7 @@
   <p:clrMapOvr>
     <a:masterClrMapping/>
   </p:clrMapOvr>
-  <p:transition/>
+  <p:transition xmlns:p14="http://schemas.microsoft.com/office/powerpoint/2010/main"/>
 </p:sldLayout>
 </file>
 
@@ -2791,7 +2791,7 @@
   <p:clrMapOvr>
     <a:masterClrMapping/>
   </p:clrMapOvr>
-  <p:transition/>
+  <p:transition xmlns:p14="http://schemas.microsoft.com/office/powerpoint/2010/main"/>
 </p:sldLayout>
 </file>
 
@@ -2848,14 +2848,14 @@
           </a:ln>
           <a:effectLst/>
           <a:extLst>
-            <a:ext uri="{909E8E84-426E-40DD-AFC4-6F175D3DCCD1}">
+            <a:ext uri="{909E8E84-426E-40dd-AFC4-6F175D3DCCD1}">
               <a14:hiddenFill xmlns:a14="http://schemas.microsoft.com/office/drawing/2010/main">
                 <a:solidFill>
                   <a:schemeClr val="accent1"/>
                 </a:solidFill>
               </a14:hiddenFill>
             </a:ext>
-            <a:ext uri="{91240B29-F687-4F45-9708-019B960494DF}">
+            <a:ext uri="{91240B29-F687-4f45-9708-019B960494DF}">
               <a14:hiddenLine xmlns:a14="http://schemas.microsoft.com/office/drawing/2010/main" w="9525">
                 <a:solidFill>
                   <a:schemeClr val="tx1"/>
@@ -2865,7 +2865,7 @@
                 <a:tailEnd/>
               </a14:hiddenLine>
             </a:ext>
-            <a:ext uri="{AF507438-7753-43E0-B8FC-AC1667EBCBE1}">
+            <a:ext uri="{AF507438-7753-43e0-B8FC-AC1667EBCBE1}">
               <a14:hiddenEffects xmlns:a14="http://schemas.microsoft.com/office/drawing/2010/main">
                 <a:effectLst>
                   <a:outerShdw blurRad="63500" dist="38099" dir="2700000" algn="ctr" rotWithShape="0">
@@ -2921,14 +2921,14 @@
           </a:ln>
           <a:effectLst/>
           <a:extLst>
-            <a:ext uri="{909E8E84-426E-40DD-AFC4-6F175D3DCCD1}">
+            <a:ext uri="{909E8E84-426E-40dd-AFC4-6F175D3DCCD1}">
               <a14:hiddenFill xmlns:a14="http://schemas.microsoft.com/office/drawing/2010/main">
                 <a:solidFill>
                   <a:schemeClr val="accent1"/>
                 </a:solidFill>
               </a14:hiddenFill>
             </a:ext>
-            <a:ext uri="{91240B29-F687-4F45-9708-019B960494DF}">
+            <a:ext uri="{91240B29-F687-4f45-9708-019B960494DF}">
               <a14:hiddenLine xmlns:a14="http://schemas.microsoft.com/office/drawing/2010/main" w="9525">
                 <a:solidFill>
                   <a:schemeClr val="tx1"/>
@@ -2938,7 +2938,7 @@
                 <a:tailEnd/>
               </a14:hiddenLine>
             </a:ext>
-            <a:ext uri="{AF507438-7753-43E0-B8FC-AC1667EBCBE1}">
+            <a:ext uri="{AF507438-7753-43e0-B8FC-AC1667EBCBE1}">
               <a14:hiddenEffects xmlns:a14="http://schemas.microsoft.com/office/drawing/2010/main">
                 <a:effectLst>
                   <a:outerShdw blurRad="63500" dist="38099" dir="2700000" algn="ctr" rotWithShape="0">
@@ -3022,14 +3022,14 @@
           </a:ln>
           <a:effectLst/>
           <a:extLst>
-            <a:ext uri="{909E8E84-426E-40DD-AFC4-6F175D3DCCD1}">
+            <a:ext uri="{909E8E84-426E-40dd-AFC4-6F175D3DCCD1}">
               <a14:hiddenFill xmlns:a14="http://schemas.microsoft.com/office/drawing/2010/main">
                 <a:solidFill>
                   <a:schemeClr val="accent1"/>
                 </a:solidFill>
               </a14:hiddenFill>
             </a:ext>
-            <a:ext uri="{91240B29-F687-4F45-9708-019B960494DF}">
+            <a:ext uri="{91240B29-F687-4f45-9708-019B960494DF}">
               <a14:hiddenLine xmlns:a14="http://schemas.microsoft.com/office/drawing/2010/main" w="9525">
                 <a:solidFill>
                   <a:schemeClr val="tx1"/>
@@ -3039,7 +3039,7 @@
                 <a:tailEnd/>
               </a14:hiddenLine>
             </a:ext>
-            <a:ext uri="{AF507438-7753-43E0-B8FC-AC1667EBCBE1}">
+            <a:ext uri="{AF507438-7753-43e0-B8FC-AC1667EBCBE1}">
               <a14:hiddenEffects xmlns:a14="http://schemas.microsoft.com/office/drawing/2010/main">
                 <a:effectLst>
                   <a:outerShdw blurRad="63500" dist="38099" dir="2700000" algn="ctr" rotWithShape="0">
@@ -3102,14 +3102,14 @@
           </a:ln>
           <a:effectLst/>
           <a:extLst>
-            <a:ext uri="{909E8E84-426E-40DD-AFC4-6F175D3DCCD1}">
+            <a:ext uri="{909E8E84-426E-40dd-AFC4-6F175D3DCCD1}">
               <a14:hiddenFill xmlns:a14="http://schemas.microsoft.com/office/drawing/2010/main">
                 <a:solidFill>
                   <a:schemeClr val="accent1"/>
                 </a:solidFill>
               </a14:hiddenFill>
             </a:ext>
-            <a:ext uri="{91240B29-F687-4F45-9708-019B960494DF}">
+            <a:ext uri="{91240B29-F687-4f45-9708-019B960494DF}">
               <a14:hiddenLine xmlns:a14="http://schemas.microsoft.com/office/drawing/2010/main" w="9525">
                 <a:solidFill>
                   <a:schemeClr val="tx1"/>
@@ -3119,7 +3119,7 @@
                 <a:tailEnd/>
               </a14:hiddenLine>
             </a:ext>
-            <a:ext uri="{AF507438-7753-43E0-B8FC-AC1667EBCBE1}">
+            <a:ext uri="{AF507438-7753-43e0-B8FC-AC1667EBCBE1}">
               <a14:hiddenEffects xmlns:a14="http://schemas.microsoft.com/office/drawing/2010/main">
                 <a:effectLst>
                   <a:outerShdw blurRad="63500" dist="38099" dir="2700000" algn="ctr" rotWithShape="0">
@@ -3182,14 +3182,14 @@
           </a:ln>
           <a:effectLst/>
           <a:extLst>
-            <a:ext uri="{909E8E84-426E-40DD-AFC4-6F175D3DCCD1}">
+            <a:ext uri="{909E8E84-426E-40dd-AFC4-6F175D3DCCD1}">
               <a14:hiddenFill xmlns:a14="http://schemas.microsoft.com/office/drawing/2010/main">
                 <a:solidFill>
                   <a:schemeClr val="accent1"/>
                 </a:solidFill>
               </a14:hiddenFill>
             </a:ext>
-            <a:ext uri="{91240B29-F687-4F45-9708-019B960494DF}">
+            <a:ext uri="{91240B29-F687-4f45-9708-019B960494DF}">
               <a14:hiddenLine xmlns:a14="http://schemas.microsoft.com/office/drawing/2010/main" w="9525">
                 <a:solidFill>
                   <a:schemeClr val="tx1"/>
@@ -3199,7 +3199,7 @@
                 <a:tailEnd/>
               </a14:hiddenLine>
             </a:ext>
-            <a:ext uri="{AF507438-7753-43E0-B8FC-AC1667EBCBE1}">
+            <a:ext uri="{AF507438-7753-43e0-B8FC-AC1667EBCBE1}">
               <a14:hiddenEffects xmlns:a14="http://schemas.microsoft.com/office/drawing/2010/main">
                 <a:effectLst>
                   <a:outerShdw blurRad="63500" dist="38099" dir="2700000" algn="ctr" rotWithShape="0">
@@ -3260,7 +3260,7 @@
     <p:sldLayoutId id="2147483660" r:id="rId11"/>
     <p:sldLayoutId id="2147483661" r:id="rId12"/>
   </p:sldLayoutIdLst>
-  <p:transition/>
+  <p:transition xmlns:p14="http://schemas.microsoft.com/office/powerpoint/2010/main"/>
   <p:txStyles>
     <p:titleStyle>
       <a:lvl1pPr algn="l" rtl="0" fontAlgn="base">
@@ -3894,11 +3894,11 @@
   <p:clrMapOvr>
     <a:masterClrMapping/>
   </p:clrMapOvr>
-  <p:transition/>
+  <p:transition xmlns:p14="http://schemas.microsoft.com/office/powerpoint/2010/main"/>
   <p:timing>
     <p:tnLst>
       <p:par>
-        <p:cTn id="1" dur="indefinite" restart="never" nodeType="tmRoot"/>
+        <p:cTn xmlns:p14="http://schemas.microsoft.com/office/powerpoint/2010/main" id="1" dur="indefinite" restart="never" nodeType="tmRoot"/>
       </p:par>
     </p:tnLst>
   </p:timing>
@@ -4118,14 +4118,14 @@
             <a:noFill/>
           </a:ln>
           <a:extLst>
-            <a:ext uri="{909E8E84-426E-40DD-AFC4-6F175D3DCCD1}">
+            <a:ext uri="{909E8E84-426E-40dd-AFC4-6F175D3DCCD1}">
               <a14:hiddenFill xmlns:a14="http://schemas.microsoft.com/office/drawing/2010/main">
                 <a:solidFill>
                   <a:srgbClr val="FFFFFF"/>
                 </a:solidFill>
               </a14:hiddenFill>
             </a:ext>
-            <a:ext uri="{91240B29-F687-4F45-9708-019B960494DF}">
+            <a:ext uri="{91240B29-F687-4f45-9708-019B960494DF}">
               <a14:hiddenLine xmlns:a14="http://schemas.microsoft.com/office/drawing/2010/main" w="9525">
                 <a:solidFill>
                   <a:srgbClr val="000000"/>
@@ -4173,14 +4173,14 @@
             <a:noFill/>
           </a:ln>
           <a:extLst>
-            <a:ext uri="{909E8E84-426E-40DD-AFC4-6F175D3DCCD1}">
+            <a:ext uri="{909E8E84-426E-40dd-AFC4-6F175D3DCCD1}">
               <a14:hiddenFill xmlns:a14="http://schemas.microsoft.com/office/drawing/2010/main">
                 <a:solidFill>
                   <a:srgbClr val="FFFFFF"/>
                 </a:solidFill>
               </a14:hiddenFill>
             </a:ext>
-            <a:ext uri="{91240B29-F687-4F45-9708-019B960494DF}">
+            <a:ext uri="{91240B29-F687-4f45-9708-019B960494DF}">
               <a14:hiddenLine xmlns:a14="http://schemas.microsoft.com/office/drawing/2010/main" w="9525">
                 <a:solidFill>
                   <a:srgbClr val="000000"/>
@@ -4228,14 +4228,14 @@
             <a:noFill/>
           </a:ln>
           <a:extLst>
-            <a:ext uri="{909E8E84-426E-40DD-AFC4-6F175D3DCCD1}">
+            <a:ext uri="{909E8E84-426E-40dd-AFC4-6F175D3DCCD1}">
               <a14:hiddenFill xmlns:a14="http://schemas.microsoft.com/office/drawing/2010/main">
                 <a:solidFill>
                   <a:srgbClr val="FFFFFF"/>
                 </a:solidFill>
               </a14:hiddenFill>
             </a:ext>
-            <a:ext uri="{91240B29-F687-4F45-9708-019B960494DF}">
+            <a:ext uri="{91240B29-F687-4f45-9708-019B960494DF}">
               <a14:hiddenLine xmlns:a14="http://schemas.microsoft.com/office/drawing/2010/main" w="9525">
                 <a:solidFill>
                   <a:srgbClr val="000000"/>
@@ -4283,14 +4283,14 @@
             <a:noFill/>
           </a:ln>
           <a:extLst>
-            <a:ext uri="{909E8E84-426E-40DD-AFC4-6F175D3DCCD1}">
+            <a:ext uri="{909E8E84-426E-40dd-AFC4-6F175D3DCCD1}">
               <a14:hiddenFill xmlns:a14="http://schemas.microsoft.com/office/drawing/2010/main">
                 <a:solidFill>
                   <a:srgbClr val="FFFFFF"/>
                 </a:solidFill>
               </a14:hiddenFill>
             </a:ext>
-            <a:ext uri="{91240B29-F687-4F45-9708-019B960494DF}">
+            <a:ext uri="{91240B29-F687-4f45-9708-019B960494DF}">
               <a14:hiddenLine xmlns:a14="http://schemas.microsoft.com/office/drawing/2010/main" w="9525">
                 <a:solidFill>
                   <a:srgbClr val="000000"/>
@@ -4308,11 +4308,11 @@
   <p:clrMapOvr>
     <a:masterClrMapping/>
   </p:clrMapOvr>
-  <p:transition/>
+  <p:transition xmlns:p14="http://schemas.microsoft.com/office/powerpoint/2010/main"/>
   <p:timing>
     <p:tnLst>
       <p:par>
-        <p:cTn id="1" dur="indefinite" restart="never" nodeType="tmRoot"/>
+        <p:cTn xmlns:p14="http://schemas.microsoft.com/office/powerpoint/2010/main" id="1" dur="indefinite" restart="never" nodeType="tmRoot"/>
       </p:par>
     </p:tnLst>
   </p:timing>
@@ -4358,14 +4358,14 @@
           </a:ln>
           <a:effectLst/>
           <a:extLst>
-            <a:ext uri="{909E8E84-426E-40DD-AFC4-6F175D3DCCD1}">
+            <a:ext uri="{909E8E84-426E-40dd-AFC4-6F175D3DCCD1}">
               <a14:hiddenFill xmlns:a14="http://schemas.microsoft.com/office/drawing/2010/main">
                 <a:solidFill>
                   <a:schemeClr val="accent1"/>
                 </a:solidFill>
               </a14:hiddenFill>
             </a:ext>
-            <a:ext uri="{91240B29-F687-4F45-9708-019B960494DF}">
+            <a:ext uri="{91240B29-F687-4f45-9708-019B960494DF}">
               <a14:hiddenLine xmlns:a14="http://schemas.microsoft.com/office/drawing/2010/main" w="9525">
                 <a:solidFill>
                   <a:schemeClr val="tx1"/>
@@ -4375,7 +4375,7 @@
                 <a:tailEnd/>
               </a14:hiddenLine>
             </a:ext>
-            <a:ext uri="{AF507438-7753-43E0-B8FC-AC1667EBCBE1}">
+            <a:ext uri="{AF507438-7753-43e0-B8FC-AC1667EBCBE1}">
               <a14:hiddenEffects xmlns:a14="http://schemas.microsoft.com/office/drawing/2010/main">
                 <a:effectLst>
                   <a:outerShdw blurRad="63500" dist="38099" dir="2700000" algn="ctr" rotWithShape="0">
@@ -4693,14 +4693,14 @@
             <a:noFill/>
           </a:ln>
           <a:extLst>
-            <a:ext uri="{909E8E84-426E-40DD-AFC4-6F175D3DCCD1}">
+            <a:ext uri="{909E8E84-426E-40dd-AFC4-6F175D3DCCD1}">
               <a14:hiddenFill xmlns:a14="http://schemas.microsoft.com/office/drawing/2010/main">
                 <a:solidFill>
                   <a:srgbClr val="FFFFFF"/>
                 </a:solidFill>
               </a14:hiddenFill>
             </a:ext>
-            <a:ext uri="{91240B29-F687-4F45-9708-019B960494DF}">
+            <a:ext uri="{91240B29-F687-4f45-9708-019B960494DF}">
               <a14:hiddenLine xmlns:a14="http://schemas.microsoft.com/office/drawing/2010/main" w="9525">
                 <a:solidFill>
                   <a:srgbClr val="000000"/>
@@ -4718,11 +4718,11 @@
   <p:clrMapOvr>
     <a:masterClrMapping/>
   </p:clrMapOvr>
-  <p:transition/>
+  <p:transition xmlns:p14="http://schemas.microsoft.com/office/powerpoint/2010/main"/>
   <p:timing>
     <p:tnLst>
       <p:par>
-        <p:cTn id="1" dur="indefinite" restart="never" nodeType="tmRoot"/>
+        <p:cTn xmlns:p14="http://schemas.microsoft.com/office/powerpoint/2010/main" id="1" dur="indefinite" restart="never" nodeType="tmRoot"/>
       </p:par>
     </p:tnLst>
   </p:timing>
@@ -4840,14 +4840,14 @@
             <a:noFill/>
           </a:ln>
           <a:extLst>
-            <a:ext uri="{909E8E84-426E-40DD-AFC4-6F175D3DCCD1}">
+            <a:ext uri="{909E8E84-426E-40dd-AFC4-6F175D3DCCD1}">
               <a14:hiddenFill xmlns:a14="http://schemas.microsoft.com/office/drawing/2010/main">
                 <a:solidFill>
                   <a:srgbClr val="FFFFFF"/>
                 </a:solidFill>
               </a14:hiddenFill>
             </a:ext>
-            <a:ext uri="{91240B29-F687-4F45-9708-019B960494DF}">
+            <a:ext uri="{91240B29-F687-4f45-9708-019B960494DF}">
               <a14:hiddenLine xmlns:a14="http://schemas.microsoft.com/office/drawing/2010/main" w="9525">
                 <a:solidFill>
                   <a:srgbClr val="000000"/>
@@ -4865,11 +4865,11 @@
   <p:clrMapOvr>
     <a:masterClrMapping/>
   </p:clrMapOvr>
-  <p:transition/>
+  <p:transition xmlns:p14="http://schemas.microsoft.com/office/powerpoint/2010/main"/>
   <p:timing>
     <p:tnLst>
       <p:par>
-        <p:cTn id="1" dur="indefinite" restart="never" nodeType="tmRoot"/>
+        <p:cTn xmlns:p14="http://schemas.microsoft.com/office/powerpoint/2010/main" id="1" dur="indefinite" restart="never" nodeType="tmRoot"/>
       </p:par>
     </p:tnLst>
   </p:timing>
@@ -4984,7 +4984,7 @@
   <p:clrMapOvr>
     <a:masterClrMapping/>
   </p:clrMapOvr>
-  <p:transition/>
+  <p:transition xmlns:p14="http://schemas.microsoft.com/office/powerpoint/2010/main"/>
 </p:sld>
 </file>
 
@@ -5160,14 +5160,14 @@
             <a:noFill/>
           </a:ln>
           <a:extLst>
-            <a:ext uri="{909E8E84-426E-40DD-AFC4-6F175D3DCCD1}">
+            <a:ext uri="{909E8E84-426E-40dd-AFC4-6F175D3DCCD1}">
               <a14:hiddenFill xmlns:a14="http://schemas.microsoft.com/office/drawing/2010/main">
                 <a:solidFill>
                   <a:srgbClr val="FFFFFF"/>
                 </a:solidFill>
               </a14:hiddenFill>
             </a:ext>
-            <a:ext uri="{91240B29-F687-4F45-9708-019B960494DF}">
+            <a:ext uri="{91240B29-F687-4f45-9708-019B960494DF}">
               <a14:hiddenLine xmlns:a14="http://schemas.microsoft.com/office/drawing/2010/main" w="9525">
                 <a:solidFill>
                   <a:srgbClr val="000000"/>
@@ -5215,14 +5215,14 @@
             <a:noFill/>
           </a:ln>
           <a:extLst>
-            <a:ext uri="{909E8E84-426E-40DD-AFC4-6F175D3DCCD1}">
+            <a:ext uri="{909E8E84-426E-40dd-AFC4-6F175D3DCCD1}">
               <a14:hiddenFill xmlns:a14="http://schemas.microsoft.com/office/drawing/2010/main">
                 <a:solidFill>
                   <a:srgbClr val="FFFFFF"/>
                 </a:solidFill>
               </a14:hiddenFill>
             </a:ext>
-            <a:ext uri="{91240B29-F687-4F45-9708-019B960494DF}">
+            <a:ext uri="{91240B29-F687-4f45-9708-019B960494DF}">
               <a14:hiddenLine xmlns:a14="http://schemas.microsoft.com/office/drawing/2010/main" w="9525">
                 <a:solidFill>
                   <a:srgbClr val="000000"/>
@@ -5270,14 +5270,14 @@
             <a:noFill/>
           </a:ln>
           <a:extLst>
-            <a:ext uri="{909E8E84-426E-40DD-AFC4-6F175D3DCCD1}">
+            <a:ext uri="{909E8E84-426E-40dd-AFC4-6F175D3DCCD1}">
               <a14:hiddenFill xmlns:a14="http://schemas.microsoft.com/office/drawing/2010/main">
                 <a:solidFill>
                   <a:srgbClr val="FFFFFF"/>
                 </a:solidFill>
               </a14:hiddenFill>
             </a:ext>
-            <a:ext uri="{91240B29-F687-4F45-9708-019B960494DF}">
+            <a:ext uri="{91240B29-F687-4f45-9708-019B960494DF}">
               <a14:hiddenLine xmlns:a14="http://schemas.microsoft.com/office/drawing/2010/main" w="9525">
                 <a:solidFill>
                   <a:srgbClr val="000000"/>
@@ -5325,14 +5325,14 @@
             <a:noFill/>
           </a:ln>
           <a:extLst>
-            <a:ext uri="{909E8E84-426E-40DD-AFC4-6F175D3DCCD1}">
+            <a:ext uri="{909E8E84-426E-40dd-AFC4-6F175D3DCCD1}">
               <a14:hiddenFill xmlns:a14="http://schemas.microsoft.com/office/drawing/2010/main">
                 <a:solidFill>
                   <a:srgbClr val="FFFFFF"/>
                 </a:solidFill>
               </a14:hiddenFill>
             </a:ext>
-            <a:ext uri="{91240B29-F687-4F45-9708-019B960494DF}">
+            <a:ext uri="{91240B29-F687-4f45-9708-019B960494DF}">
               <a14:hiddenLine xmlns:a14="http://schemas.microsoft.com/office/drawing/2010/main" w="9525">
                 <a:solidFill>
                   <a:srgbClr val="000000"/>
@@ -5380,14 +5380,14 @@
             <a:noFill/>
           </a:ln>
           <a:extLst>
-            <a:ext uri="{909E8E84-426E-40DD-AFC4-6F175D3DCCD1}">
+            <a:ext uri="{909E8E84-426E-40dd-AFC4-6F175D3DCCD1}">
               <a14:hiddenFill xmlns:a14="http://schemas.microsoft.com/office/drawing/2010/main">
                 <a:solidFill>
                   <a:srgbClr val="FFFFFF"/>
                 </a:solidFill>
               </a14:hiddenFill>
             </a:ext>
-            <a:ext uri="{91240B29-F687-4F45-9708-019B960494DF}">
+            <a:ext uri="{91240B29-F687-4f45-9708-019B960494DF}">
               <a14:hiddenLine xmlns:a14="http://schemas.microsoft.com/office/drawing/2010/main" w="9525">
                 <a:solidFill>
                   <a:srgbClr val="000000"/>
@@ -5405,7 +5405,7 @@
   <p:clrMapOvr>
     <a:masterClrMapping/>
   </p:clrMapOvr>
-  <p:transition/>
+  <p:transition xmlns:p14="http://schemas.microsoft.com/office/powerpoint/2010/main"/>
 </p:sld>
 </file>
 
@@ -5543,14 +5543,14 @@
             <a:noFill/>
           </a:ln>
           <a:extLst>
-            <a:ext uri="{909E8E84-426E-40DD-AFC4-6F175D3DCCD1}">
+            <a:ext uri="{909E8E84-426E-40dd-AFC4-6F175D3DCCD1}">
               <a14:hiddenFill xmlns:a14="http://schemas.microsoft.com/office/drawing/2010/main">
                 <a:solidFill>
                   <a:srgbClr val="FFFFFF"/>
                 </a:solidFill>
               </a14:hiddenFill>
             </a:ext>
-            <a:ext uri="{91240B29-F687-4F45-9708-019B960494DF}">
+            <a:ext uri="{91240B29-F687-4f45-9708-019B960494DF}">
               <a14:hiddenLine xmlns:a14="http://schemas.microsoft.com/office/drawing/2010/main" w="9525">
                 <a:solidFill>
                   <a:srgbClr val="000000"/>
@@ -5598,14 +5598,14 @@
             <a:noFill/>
           </a:ln>
           <a:extLst>
-            <a:ext uri="{909E8E84-426E-40DD-AFC4-6F175D3DCCD1}">
+            <a:ext uri="{909E8E84-426E-40dd-AFC4-6F175D3DCCD1}">
               <a14:hiddenFill xmlns:a14="http://schemas.microsoft.com/office/drawing/2010/main">
                 <a:solidFill>
                   <a:srgbClr val="FFFFFF"/>
                 </a:solidFill>
               </a14:hiddenFill>
             </a:ext>
-            <a:ext uri="{91240B29-F687-4F45-9708-019B960494DF}">
+            <a:ext uri="{91240B29-F687-4f45-9708-019B960494DF}">
               <a14:hiddenLine xmlns:a14="http://schemas.microsoft.com/office/drawing/2010/main" w="9525">
                 <a:solidFill>
                   <a:srgbClr val="000000"/>
@@ -5653,14 +5653,14 @@
             <a:noFill/>
           </a:ln>
           <a:extLst>
-            <a:ext uri="{909E8E84-426E-40DD-AFC4-6F175D3DCCD1}">
+            <a:ext uri="{909E8E84-426E-40dd-AFC4-6F175D3DCCD1}">
               <a14:hiddenFill xmlns:a14="http://schemas.microsoft.com/office/drawing/2010/main">
                 <a:solidFill>
                   <a:srgbClr val="FFFFFF"/>
                 </a:solidFill>
               </a14:hiddenFill>
             </a:ext>
-            <a:ext uri="{91240B29-F687-4F45-9708-019B960494DF}">
+            <a:ext uri="{91240B29-F687-4f45-9708-019B960494DF}">
               <a14:hiddenLine xmlns:a14="http://schemas.microsoft.com/office/drawing/2010/main" w="9525">
                 <a:solidFill>
                   <a:srgbClr val="000000"/>
@@ -5708,14 +5708,14 @@
             <a:noFill/>
           </a:ln>
           <a:extLst>
-            <a:ext uri="{909E8E84-426E-40DD-AFC4-6F175D3DCCD1}">
+            <a:ext uri="{909E8E84-426E-40dd-AFC4-6F175D3DCCD1}">
               <a14:hiddenFill xmlns:a14="http://schemas.microsoft.com/office/drawing/2010/main">
                 <a:solidFill>
                   <a:srgbClr val="FFFFFF"/>
                 </a:solidFill>
               </a14:hiddenFill>
             </a:ext>
-            <a:ext uri="{91240B29-F687-4F45-9708-019B960494DF}">
+            <a:ext uri="{91240B29-F687-4f45-9708-019B960494DF}">
               <a14:hiddenLine xmlns:a14="http://schemas.microsoft.com/office/drawing/2010/main" w="9525">
                 <a:solidFill>
                   <a:srgbClr val="000000"/>
@@ -5733,7 +5733,7 @@
   <p:clrMapOvr>
     <a:masterClrMapping/>
   </p:clrMapOvr>
-  <p:transition/>
+  <p:transition xmlns:p14="http://schemas.microsoft.com/office/powerpoint/2010/main"/>
 </p:sld>
 </file>
 
@@ -5881,14 +5881,14 @@
             <a:noFill/>
           </a:ln>
           <a:extLst>
-            <a:ext uri="{909E8E84-426E-40DD-AFC4-6F175D3DCCD1}">
+            <a:ext uri="{909E8E84-426E-40dd-AFC4-6F175D3DCCD1}">
               <a14:hiddenFill xmlns:a14="http://schemas.microsoft.com/office/drawing/2010/main">
                 <a:solidFill>
                   <a:srgbClr val="FFFFFF"/>
                 </a:solidFill>
               </a14:hiddenFill>
             </a:ext>
-            <a:ext uri="{91240B29-F687-4F45-9708-019B960494DF}">
+            <a:ext uri="{91240B29-F687-4f45-9708-019B960494DF}">
               <a14:hiddenLine xmlns:a14="http://schemas.microsoft.com/office/drawing/2010/main" w="9525">
                 <a:solidFill>
                   <a:srgbClr val="000000"/>
@@ -5936,14 +5936,14 @@
             <a:noFill/>
           </a:ln>
           <a:extLst>
-            <a:ext uri="{909E8E84-426E-40DD-AFC4-6F175D3DCCD1}">
+            <a:ext uri="{909E8E84-426E-40dd-AFC4-6F175D3DCCD1}">
               <a14:hiddenFill xmlns:a14="http://schemas.microsoft.com/office/drawing/2010/main">
                 <a:solidFill>
                   <a:srgbClr val="FFFFFF"/>
                 </a:solidFill>
               </a14:hiddenFill>
             </a:ext>
-            <a:ext uri="{91240B29-F687-4F45-9708-019B960494DF}">
+            <a:ext uri="{91240B29-F687-4f45-9708-019B960494DF}">
               <a14:hiddenLine xmlns:a14="http://schemas.microsoft.com/office/drawing/2010/main" w="9525">
                 <a:solidFill>
                   <a:srgbClr val="000000"/>
@@ -5991,14 +5991,14 @@
             <a:noFill/>
           </a:ln>
           <a:extLst>
-            <a:ext uri="{909E8E84-426E-40DD-AFC4-6F175D3DCCD1}">
+            <a:ext uri="{909E8E84-426E-40dd-AFC4-6F175D3DCCD1}">
               <a14:hiddenFill xmlns:a14="http://schemas.microsoft.com/office/drawing/2010/main">
                 <a:solidFill>
                   <a:srgbClr val="FFFFFF"/>
                 </a:solidFill>
               </a14:hiddenFill>
             </a:ext>
-            <a:ext uri="{91240B29-F687-4F45-9708-019B960494DF}">
+            <a:ext uri="{91240B29-F687-4f45-9708-019B960494DF}">
               <a14:hiddenLine xmlns:a14="http://schemas.microsoft.com/office/drawing/2010/main" w="9525">
                 <a:solidFill>
                   <a:srgbClr val="000000"/>
@@ -6016,7 +6016,7 @@
   <p:clrMapOvr>
     <a:masterClrMapping/>
   </p:clrMapOvr>
-  <p:transition/>
+  <p:transition xmlns:p14="http://schemas.microsoft.com/office/powerpoint/2010/main"/>
 </p:sld>
 </file>
 
@@ -6126,7 +6126,7 @@
   <p:clrMapOvr>
     <a:masterClrMapping/>
   </p:clrMapOvr>
-  <p:transition/>
+  <p:transition xmlns:p14="http://schemas.microsoft.com/office/powerpoint/2010/main"/>
 </p:sld>
 </file>
 
@@ -6396,14 +6396,14 @@
             <a:noFill/>
           </a:ln>
           <a:extLst>
-            <a:ext uri="{909E8E84-426E-40DD-AFC4-6F175D3DCCD1}">
+            <a:ext uri="{909E8E84-426E-40dd-AFC4-6F175D3DCCD1}">
               <a14:hiddenFill xmlns:a14="http://schemas.microsoft.com/office/drawing/2010/main">
                 <a:solidFill>
                   <a:srgbClr val="FFFFFF"/>
                 </a:solidFill>
               </a14:hiddenFill>
             </a:ext>
-            <a:ext uri="{91240B29-F687-4F45-9708-019B960494DF}">
+            <a:ext uri="{91240B29-F687-4f45-9708-019B960494DF}">
               <a14:hiddenLine xmlns:a14="http://schemas.microsoft.com/office/drawing/2010/main" w="9525">
                 <a:solidFill>
                   <a:srgbClr val="000000"/>
@@ -6451,14 +6451,14 @@
             <a:noFill/>
           </a:ln>
           <a:extLst>
-            <a:ext uri="{909E8E84-426E-40DD-AFC4-6F175D3DCCD1}">
+            <a:ext uri="{909E8E84-426E-40dd-AFC4-6F175D3DCCD1}">
               <a14:hiddenFill xmlns:a14="http://schemas.microsoft.com/office/drawing/2010/main">
                 <a:solidFill>
                   <a:srgbClr val="FFFFFF"/>
                 </a:solidFill>
               </a14:hiddenFill>
             </a:ext>
-            <a:ext uri="{91240B29-F687-4F45-9708-019B960494DF}">
+            <a:ext uri="{91240B29-F687-4f45-9708-019B960494DF}">
               <a14:hiddenLine xmlns:a14="http://schemas.microsoft.com/office/drawing/2010/main" w="9525">
                 <a:solidFill>
                   <a:srgbClr val="000000"/>
@@ -6506,14 +6506,14 @@
             <a:noFill/>
           </a:ln>
           <a:extLst>
-            <a:ext uri="{909E8E84-426E-40DD-AFC4-6F175D3DCCD1}">
+            <a:ext uri="{909E8E84-426E-40dd-AFC4-6F175D3DCCD1}">
               <a14:hiddenFill xmlns:a14="http://schemas.microsoft.com/office/drawing/2010/main">
                 <a:solidFill>
                   <a:srgbClr val="FFFFFF"/>
                 </a:solidFill>
               </a14:hiddenFill>
             </a:ext>
-            <a:ext uri="{91240B29-F687-4F45-9708-019B960494DF}">
+            <a:ext uri="{91240B29-F687-4f45-9708-019B960494DF}">
               <a14:hiddenLine xmlns:a14="http://schemas.microsoft.com/office/drawing/2010/main" w="9525">
                 <a:solidFill>
                   <a:srgbClr val="000000"/>
@@ -6561,14 +6561,14 @@
             <a:noFill/>
           </a:ln>
           <a:extLst>
-            <a:ext uri="{909E8E84-426E-40DD-AFC4-6F175D3DCCD1}">
+            <a:ext uri="{909E8E84-426E-40dd-AFC4-6F175D3DCCD1}">
               <a14:hiddenFill xmlns:a14="http://schemas.microsoft.com/office/drawing/2010/main">
                 <a:solidFill>
                   <a:srgbClr val="FFFFFF"/>
                 </a:solidFill>
               </a14:hiddenFill>
             </a:ext>
-            <a:ext uri="{91240B29-F687-4F45-9708-019B960494DF}">
+            <a:ext uri="{91240B29-F687-4f45-9708-019B960494DF}">
               <a14:hiddenLine xmlns:a14="http://schemas.microsoft.com/office/drawing/2010/main" w="9525">
                 <a:solidFill>
                   <a:srgbClr val="000000"/>
@@ -6616,14 +6616,14 @@
             <a:noFill/>
           </a:ln>
           <a:extLst>
-            <a:ext uri="{909E8E84-426E-40DD-AFC4-6F175D3DCCD1}">
+            <a:ext uri="{909E8E84-426E-40dd-AFC4-6F175D3DCCD1}">
               <a14:hiddenFill xmlns:a14="http://schemas.microsoft.com/office/drawing/2010/main">
                 <a:solidFill>
                   <a:srgbClr val="FFFFFF"/>
                 </a:solidFill>
               </a14:hiddenFill>
             </a:ext>
-            <a:ext uri="{91240B29-F687-4F45-9708-019B960494DF}">
+            <a:ext uri="{91240B29-F687-4f45-9708-019B960494DF}">
               <a14:hiddenLine xmlns:a14="http://schemas.microsoft.com/office/drawing/2010/main" w="9525">
                 <a:solidFill>
                   <a:srgbClr val="000000"/>
@@ -6641,7 +6641,7 @@
   <p:clrMapOvr>
     <a:masterClrMapping/>
   </p:clrMapOvr>
-  <p:transition/>
+  <p:transition xmlns:p14="http://schemas.microsoft.com/office/powerpoint/2010/main"/>
 </p:sld>
 </file>
 
@@ -6741,7 +6741,7 @@
   <p:clrMapOvr>
     <a:masterClrMapping/>
   </p:clrMapOvr>
-  <p:transition/>
+  <p:transition xmlns:p14="http://schemas.microsoft.com/office/powerpoint/2010/main"/>
 </p:sld>
 </file>
 
@@ -6883,11 +6883,11 @@
   <p:clrMapOvr>
     <a:masterClrMapping/>
   </p:clrMapOvr>
-  <p:transition/>
+  <p:transition xmlns:p14="http://schemas.microsoft.com/office/powerpoint/2010/main"/>
   <p:timing>
     <p:tnLst>
       <p:par>
-        <p:cTn id="1" dur="indefinite" restart="never" nodeType="tmRoot"/>
+        <p:cTn xmlns:p14="http://schemas.microsoft.com/office/powerpoint/2010/main" id="1" dur="indefinite" restart="never" nodeType="tmRoot"/>
       </p:par>
     </p:tnLst>
   </p:timing>
@@ -7081,14 +7081,14 @@
             <a:noFill/>
           </a:ln>
           <a:extLst>
-            <a:ext uri="{909E8E84-426E-40DD-AFC4-6F175D3DCCD1}">
+            <a:ext uri="{909E8E84-426E-40dd-AFC4-6F175D3DCCD1}">
               <a14:hiddenFill xmlns:a14="http://schemas.microsoft.com/office/drawing/2010/main">
                 <a:solidFill>
                   <a:srgbClr val="FFFFFF"/>
                 </a:solidFill>
               </a14:hiddenFill>
             </a:ext>
-            <a:ext uri="{91240B29-F687-4F45-9708-019B960494DF}">
+            <a:ext uri="{91240B29-F687-4f45-9708-019B960494DF}">
               <a14:hiddenLine xmlns:a14="http://schemas.microsoft.com/office/drawing/2010/main" w="9525">
                 <a:solidFill>
                   <a:srgbClr val="000000"/>
@@ -7136,14 +7136,14 @@
             <a:noFill/>
           </a:ln>
           <a:extLst>
-            <a:ext uri="{909E8E84-426E-40DD-AFC4-6F175D3DCCD1}">
+            <a:ext uri="{909E8E84-426E-40dd-AFC4-6F175D3DCCD1}">
               <a14:hiddenFill xmlns:a14="http://schemas.microsoft.com/office/drawing/2010/main">
                 <a:solidFill>
                   <a:srgbClr val="FFFFFF"/>
                 </a:solidFill>
               </a14:hiddenFill>
             </a:ext>
-            <a:ext uri="{91240B29-F687-4F45-9708-019B960494DF}">
+            <a:ext uri="{91240B29-F687-4f45-9708-019B960494DF}">
               <a14:hiddenLine xmlns:a14="http://schemas.microsoft.com/office/drawing/2010/main" w="9525">
                 <a:solidFill>
                   <a:srgbClr val="000000"/>
@@ -7161,7 +7161,7 @@
   <p:clrMapOvr>
     <a:masterClrMapping/>
   </p:clrMapOvr>
-  <p:transition/>
+  <p:transition xmlns:p14="http://schemas.microsoft.com/office/powerpoint/2010/main"/>
 </p:sld>
 </file>
 
@@ -7204,14 +7204,14 @@
           </a:ln>
           <a:effectLst/>
           <a:extLst>
-            <a:ext uri="{909E8E84-426E-40DD-AFC4-6F175D3DCCD1}">
+            <a:ext uri="{909E8E84-426E-40dd-AFC4-6F175D3DCCD1}">
               <a14:hiddenFill xmlns:a14="http://schemas.microsoft.com/office/drawing/2010/main">
                 <a:solidFill>
                   <a:schemeClr val="accent1"/>
                 </a:solidFill>
               </a14:hiddenFill>
             </a:ext>
-            <a:ext uri="{91240B29-F687-4F45-9708-019B960494DF}">
+            <a:ext uri="{91240B29-F687-4f45-9708-019B960494DF}">
               <a14:hiddenLine xmlns:a14="http://schemas.microsoft.com/office/drawing/2010/main" w="9525">
                 <a:solidFill>
                   <a:schemeClr val="tx1"/>
@@ -7221,7 +7221,7 @@
                 <a:tailEnd/>
               </a14:hiddenLine>
             </a:ext>
-            <a:ext uri="{AF507438-7753-43E0-B8FC-AC1667EBCBE1}">
+            <a:ext uri="{AF507438-7753-43e0-B8FC-AC1667EBCBE1}">
               <a14:hiddenEffects xmlns:a14="http://schemas.microsoft.com/office/drawing/2010/main">
                 <a:effectLst>
                   <a:outerShdw blurRad="63500" dist="38099" dir="2700000" algn="ctr" rotWithShape="0">
@@ -7380,7 +7380,7 @@
   <p:clrMapOvr>
     <a:masterClrMapping/>
   </p:clrMapOvr>
-  <p:transition/>
+  <p:transition xmlns:p14="http://schemas.microsoft.com/office/powerpoint/2010/main"/>
 </p:sld>
 </file>
 
@@ -7579,14 +7579,14 @@
             <a:noFill/>
           </a:ln>
           <a:extLst>
-            <a:ext uri="{909E8E84-426E-40DD-AFC4-6F175D3DCCD1}">
+            <a:ext uri="{909E8E84-426E-40dd-AFC4-6F175D3DCCD1}">
               <a14:hiddenFill xmlns:a14="http://schemas.microsoft.com/office/drawing/2010/main">
                 <a:solidFill>
                   <a:srgbClr val="FFFFFF"/>
                 </a:solidFill>
               </a14:hiddenFill>
             </a:ext>
-            <a:ext uri="{91240B29-F687-4F45-9708-019B960494DF}">
+            <a:ext uri="{91240B29-F687-4f45-9708-019B960494DF}">
               <a14:hiddenLine xmlns:a14="http://schemas.microsoft.com/office/drawing/2010/main" w="9525">
                 <a:solidFill>
                   <a:srgbClr val="000000"/>
@@ -7636,7 +7636,7 @@
           </a:ln>
           <a:effectLst/>
           <a:extLst>
-            <a:ext uri="{91240B29-F687-4F45-9708-019B960494DF}">
+            <a:ext uri="{91240B29-F687-4f45-9708-019B960494DF}">
               <a14:hiddenLine xmlns:a14="http://schemas.microsoft.com/office/drawing/2010/main" w="9525">
                 <a:solidFill>
                   <a:schemeClr val="tx1"/>
@@ -7646,7 +7646,7 @@
                 <a:tailEnd/>
               </a14:hiddenLine>
             </a:ext>
-            <a:ext uri="{AF507438-7753-43E0-B8FC-AC1667EBCBE1}">
+            <a:ext uri="{AF507438-7753-43e0-B8FC-AC1667EBCBE1}">
               <a14:hiddenEffects xmlns:a14="http://schemas.microsoft.com/office/drawing/2010/main">
                 <a:effectLst>
                   <a:outerShdw blurRad="63500" dist="38099" dir="2700000" algn="ctr" rotWithShape="0">
@@ -7665,7 +7665,7 @@
   <p:clrMapOvr>
     <a:masterClrMapping/>
   </p:clrMapOvr>
-  <p:transition/>
+  <p:transition xmlns:p14="http://schemas.microsoft.com/office/powerpoint/2010/main"/>
 </p:sld>
 </file>
 
@@ -7749,7 +7749,7 @@
   <p:clrMapOvr>
     <a:masterClrMapping/>
   </p:clrMapOvr>
-  <p:transition/>
+  <p:transition xmlns:p14="http://schemas.microsoft.com/office/powerpoint/2010/main"/>
 </p:sld>
 </file>
 
@@ -7818,14 +7818,14 @@
           </a:ln>
           <a:effectLst/>
           <a:extLst>
-            <a:ext uri="{909E8E84-426E-40DD-AFC4-6F175D3DCCD1}">
+            <a:ext uri="{909E8E84-426E-40dd-AFC4-6F175D3DCCD1}">
               <a14:hiddenFill xmlns:a14="http://schemas.microsoft.com/office/drawing/2010/main">
                 <a:solidFill>
                   <a:schemeClr val="accent1"/>
                 </a:solidFill>
               </a14:hiddenFill>
             </a:ext>
-            <a:ext uri="{91240B29-F687-4F45-9708-019B960494DF}">
+            <a:ext uri="{91240B29-F687-4f45-9708-019B960494DF}">
               <a14:hiddenLine xmlns:a14="http://schemas.microsoft.com/office/drawing/2010/main" w="9525">
                 <a:solidFill>
                   <a:schemeClr val="tx1"/>
@@ -7835,7 +7835,7 @@
                 <a:tailEnd/>
               </a14:hiddenLine>
             </a:ext>
-            <a:ext uri="{AF507438-7753-43E0-B8FC-AC1667EBCBE1}">
+            <a:ext uri="{AF507438-7753-43e0-B8FC-AC1667EBCBE1}">
               <a14:hiddenEffects xmlns:a14="http://schemas.microsoft.com/office/drawing/2010/main">
                 <a:effectLst>
                   <a:outerShdw blurRad="63500" dist="38099" dir="2700000" algn="ctr" rotWithShape="0">
@@ -7880,14 +7880,14 @@
           </a:ln>
           <a:effectLst/>
           <a:extLst>
-            <a:ext uri="{909E8E84-426E-40DD-AFC4-6F175D3DCCD1}">
+            <a:ext uri="{909E8E84-426E-40dd-AFC4-6F175D3DCCD1}">
               <a14:hiddenFill xmlns:a14="http://schemas.microsoft.com/office/drawing/2010/main">
                 <a:solidFill>
                   <a:schemeClr val="accent1"/>
                 </a:solidFill>
               </a14:hiddenFill>
             </a:ext>
-            <a:ext uri="{91240B29-F687-4F45-9708-019B960494DF}">
+            <a:ext uri="{91240B29-F687-4f45-9708-019B960494DF}">
               <a14:hiddenLine xmlns:a14="http://schemas.microsoft.com/office/drawing/2010/main" w="9525">
                 <a:solidFill>
                   <a:schemeClr val="tx1"/>
@@ -7897,7 +7897,7 @@
                 <a:tailEnd/>
               </a14:hiddenLine>
             </a:ext>
-            <a:ext uri="{AF507438-7753-43E0-B8FC-AC1667EBCBE1}">
+            <a:ext uri="{AF507438-7753-43e0-B8FC-AC1667EBCBE1}">
               <a14:hiddenEffects xmlns:a14="http://schemas.microsoft.com/office/drawing/2010/main">
                 <a:effectLst>
                   <a:outerShdw blurRad="63500" dist="38099" dir="2700000" algn="ctr" rotWithShape="0">
@@ -7988,14 +7988,14 @@
             <a:noFill/>
           </a:ln>
           <a:extLst>
-            <a:ext uri="{909E8E84-426E-40DD-AFC4-6F175D3DCCD1}">
+            <a:ext uri="{909E8E84-426E-40dd-AFC4-6F175D3DCCD1}">
               <a14:hiddenFill xmlns:a14="http://schemas.microsoft.com/office/drawing/2010/main">
                 <a:solidFill>
                   <a:srgbClr val="FFFFFF"/>
                 </a:solidFill>
               </a14:hiddenFill>
             </a:ext>
-            <a:ext uri="{91240B29-F687-4F45-9708-019B960494DF}">
+            <a:ext uri="{91240B29-F687-4f45-9708-019B960494DF}">
               <a14:hiddenLine xmlns:a14="http://schemas.microsoft.com/office/drawing/2010/main" w="9525">
                 <a:solidFill>
                   <a:srgbClr val="000000"/>
@@ -8039,7 +8039,7 @@
           </a:prstGeom>
           <a:noFill/>
           <a:extLst>
-            <a:ext uri="{909E8E84-426E-40DD-AFC4-6F175D3DCCD1}">
+            <a:ext uri="{909E8E84-426E-40dd-AFC4-6F175D3DCCD1}">
               <a14:hiddenFill xmlns:a14="http://schemas.microsoft.com/office/drawing/2010/main">
                 <a:solidFill>
                   <a:srgbClr val="FFFFFF"/>
@@ -8054,7 +8054,7 @@
   <p:clrMapOvr>
     <a:masterClrMapping/>
   </p:clrMapOvr>
-  <p:transition/>
+  <p:transition xmlns:p14="http://schemas.microsoft.com/office/powerpoint/2010/main"/>
 </p:sld>
 </file>
 
@@ -8165,14 +8165,14 @@
             <a:noFill/>
           </a:ln>
           <a:extLst>
-            <a:ext uri="{909E8E84-426E-40DD-AFC4-6F175D3DCCD1}">
+            <a:ext uri="{909E8E84-426E-40dd-AFC4-6F175D3DCCD1}">
               <a14:hiddenFill xmlns:a14="http://schemas.microsoft.com/office/drawing/2010/main">
                 <a:solidFill>
                   <a:srgbClr val="FFFFFF"/>
                 </a:solidFill>
               </a14:hiddenFill>
             </a:ext>
-            <a:ext uri="{91240B29-F687-4F45-9708-019B960494DF}">
+            <a:ext uri="{91240B29-F687-4f45-9708-019B960494DF}">
               <a14:hiddenLine xmlns:a14="http://schemas.microsoft.com/office/drawing/2010/main" w="9525">
                 <a:solidFill>
                   <a:srgbClr val="000000"/>
@@ -8189,7 +8189,7 @@
         <p:nvPicPr>
           <p:cNvPr id="53253" name="Picture 5"/>
           <p:cNvPicPr>
-            <a:picLocks noChangeAspect="1" noChangeArrowheads="1"/>
+            <a:picLocks noGrp="1" noChangeAspect="1" noChangeArrowheads="1"/>
           </p:cNvPicPr>
           <p:nvPr>
             <p:ph type="body" idx="1"/>
@@ -8217,14 +8217,14 @@
           <a:noFill/>
           <a:ln/>
           <a:extLst>
-            <a:ext uri="{909E8E84-426E-40DD-AFC4-6F175D3DCCD1}">
+            <a:ext uri="{909E8E84-426E-40dd-AFC4-6F175D3DCCD1}">
               <a14:hiddenFill xmlns:a14="http://schemas.microsoft.com/office/drawing/2010/main">
                 <a:solidFill>
                   <a:srgbClr val="FFFFFF"/>
                 </a:solidFill>
               </a14:hiddenFill>
             </a:ext>
-            <a:ext uri="{91240B29-F687-4F45-9708-019B960494DF}">
+            <a:ext uri="{91240B29-F687-4f45-9708-019B960494DF}">
               <a14:hiddenLine xmlns:a14="http://schemas.microsoft.com/office/drawing/2010/main" w="9525">
                 <a:solidFill>
                   <a:srgbClr val="000000"/>
@@ -8234,7 +8234,7 @@
                 <a:tailEnd/>
               </a14:hiddenLine>
             </a:ext>
-            <a:ext uri="{AF507438-7753-43E0-B8FC-AC1667EBCBE1}">
+            <a:ext uri="{AF507438-7753-43e0-B8FC-AC1667EBCBE1}">
               <a14:hiddenEffects xmlns:a14="http://schemas.microsoft.com/office/drawing/2010/main">
                 <a:effectLst>
                   <a:outerShdw blurRad="63500" dist="38099" dir="2700000" algn="ctr" rotWithShape="0">
@@ -8270,14 +8270,14 @@
           </a:ln>
           <a:effectLst/>
           <a:extLst>
-            <a:ext uri="{909E8E84-426E-40DD-AFC4-6F175D3DCCD1}">
+            <a:ext uri="{909E8E84-426E-40dd-AFC4-6F175D3DCCD1}">
               <a14:hiddenFill xmlns:a14="http://schemas.microsoft.com/office/drawing/2010/main">
                 <a:solidFill>
                   <a:schemeClr val="accent1"/>
                 </a:solidFill>
               </a14:hiddenFill>
             </a:ext>
-            <a:ext uri="{91240B29-F687-4F45-9708-019B960494DF}">
+            <a:ext uri="{91240B29-F687-4f45-9708-019B960494DF}">
               <a14:hiddenLine xmlns:a14="http://schemas.microsoft.com/office/drawing/2010/main" w="9525">
                 <a:solidFill>
                   <a:schemeClr val="tx1"/>
@@ -8287,7 +8287,7 @@
                 <a:tailEnd/>
               </a14:hiddenLine>
             </a:ext>
-            <a:ext uri="{AF507438-7753-43E0-B8FC-AC1667EBCBE1}">
+            <a:ext uri="{AF507438-7753-43e0-B8FC-AC1667EBCBE1}">
               <a14:hiddenEffects xmlns:a14="http://schemas.microsoft.com/office/drawing/2010/main">
                 <a:effectLst>
                   <a:outerShdw blurRad="63500" dist="38099" dir="2700000" algn="ctr" rotWithShape="0">
@@ -8611,7 +8611,7 @@
   <p:clrMapOvr>
     <a:masterClrMapping/>
   </p:clrMapOvr>
-  <p:transition/>
+  <p:transition xmlns:p14="http://schemas.microsoft.com/office/powerpoint/2010/main"/>
 </p:sld>
 </file>
 
@@ -8654,14 +8654,14 @@
           </a:ln>
           <a:effectLst/>
           <a:extLst>
-            <a:ext uri="{909E8E84-426E-40DD-AFC4-6F175D3DCCD1}">
+            <a:ext uri="{909E8E84-426E-40dd-AFC4-6F175D3DCCD1}">
               <a14:hiddenFill xmlns:a14="http://schemas.microsoft.com/office/drawing/2010/main">
                 <a:solidFill>
                   <a:schemeClr val="accent1"/>
                 </a:solidFill>
               </a14:hiddenFill>
             </a:ext>
-            <a:ext uri="{91240B29-F687-4F45-9708-019B960494DF}">
+            <a:ext uri="{91240B29-F687-4f45-9708-019B960494DF}">
               <a14:hiddenLine xmlns:a14="http://schemas.microsoft.com/office/drawing/2010/main" w="9525">
                 <a:solidFill>
                   <a:schemeClr val="tx1"/>
@@ -8671,7 +8671,7 @@
                 <a:tailEnd/>
               </a14:hiddenLine>
             </a:ext>
-            <a:ext uri="{AF507438-7753-43E0-B8FC-AC1667EBCBE1}">
+            <a:ext uri="{AF507438-7753-43e0-B8FC-AC1667EBCBE1}">
               <a14:hiddenEffects xmlns:a14="http://schemas.microsoft.com/office/drawing/2010/main">
                 <a:effectLst>
                   <a:outerShdw blurRad="63500" dist="38099" dir="2700000" algn="ctr" rotWithShape="0">
@@ -8960,7 +8960,7 @@
   <p:clrMapOvr>
     <a:masterClrMapping/>
   </p:clrMapOvr>
-  <p:transition/>
+  <p:transition xmlns:p14="http://schemas.microsoft.com/office/powerpoint/2010/main"/>
 </p:sld>
 </file>
 
@@ -9064,7 +9064,7 @@
   <p:clrMapOvr>
     <a:masterClrMapping/>
   </p:clrMapOvr>
-  <p:transition/>
+  <p:transition xmlns:p14="http://schemas.microsoft.com/office/powerpoint/2010/main"/>
 </p:sld>
 </file>
 
@@ -9201,7 +9201,7 @@
   <p:clrMapOvr>
     <a:masterClrMapping/>
   </p:clrMapOvr>
-  <p:transition/>
+  <p:transition xmlns:p14="http://schemas.microsoft.com/office/powerpoint/2010/main"/>
 </p:sld>
 </file>
 
@@ -9335,14 +9335,14 @@
             <a:noFill/>
           </a:ln>
           <a:extLst>
-            <a:ext uri="{909E8E84-426E-40DD-AFC4-6F175D3DCCD1}">
+            <a:ext uri="{909E8E84-426E-40dd-AFC4-6F175D3DCCD1}">
               <a14:hiddenFill xmlns:a14="http://schemas.microsoft.com/office/drawing/2010/main">
                 <a:solidFill>
                   <a:srgbClr val="FFFFFF"/>
                 </a:solidFill>
               </a14:hiddenFill>
             </a:ext>
-            <a:ext uri="{91240B29-F687-4F45-9708-019B960494DF}">
+            <a:ext uri="{91240B29-F687-4f45-9708-019B960494DF}">
               <a14:hiddenLine xmlns:a14="http://schemas.microsoft.com/office/drawing/2010/main" w="9525">
                 <a:solidFill>
                   <a:srgbClr val="000000"/>
@@ -9390,14 +9390,14 @@
             <a:noFill/>
           </a:ln>
           <a:extLst>
-            <a:ext uri="{909E8E84-426E-40DD-AFC4-6F175D3DCCD1}">
+            <a:ext uri="{909E8E84-426E-40dd-AFC4-6F175D3DCCD1}">
               <a14:hiddenFill xmlns:a14="http://schemas.microsoft.com/office/drawing/2010/main">
                 <a:solidFill>
                   <a:srgbClr val="FFFFFF"/>
                 </a:solidFill>
               </a14:hiddenFill>
             </a:ext>
-            <a:ext uri="{91240B29-F687-4F45-9708-019B960494DF}">
+            <a:ext uri="{91240B29-F687-4f45-9708-019B960494DF}">
               <a14:hiddenLine xmlns:a14="http://schemas.microsoft.com/office/drawing/2010/main" w="9525">
                 <a:solidFill>
                   <a:srgbClr val="000000"/>
@@ -9445,14 +9445,14 @@
             <a:noFill/>
           </a:ln>
           <a:extLst>
-            <a:ext uri="{909E8E84-426E-40DD-AFC4-6F175D3DCCD1}">
+            <a:ext uri="{909E8E84-426E-40dd-AFC4-6F175D3DCCD1}">
               <a14:hiddenFill xmlns:a14="http://schemas.microsoft.com/office/drawing/2010/main">
                 <a:solidFill>
                   <a:srgbClr val="FFFFFF"/>
                 </a:solidFill>
               </a14:hiddenFill>
             </a:ext>
-            <a:ext uri="{91240B29-F687-4F45-9708-019B960494DF}">
+            <a:ext uri="{91240B29-F687-4f45-9708-019B960494DF}">
               <a14:hiddenLine xmlns:a14="http://schemas.microsoft.com/office/drawing/2010/main" w="9525">
                 <a:solidFill>
                   <a:srgbClr val="000000"/>
@@ -9500,14 +9500,14 @@
             <a:noFill/>
           </a:ln>
           <a:extLst>
-            <a:ext uri="{909E8E84-426E-40DD-AFC4-6F175D3DCCD1}">
+            <a:ext uri="{909E8E84-426E-40dd-AFC4-6F175D3DCCD1}">
               <a14:hiddenFill xmlns:a14="http://schemas.microsoft.com/office/drawing/2010/main">
                 <a:solidFill>
                   <a:srgbClr val="FFFFFF"/>
                 </a:solidFill>
               </a14:hiddenFill>
             </a:ext>
-            <a:ext uri="{91240B29-F687-4F45-9708-019B960494DF}">
+            <a:ext uri="{91240B29-F687-4f45-9708-019B960494DF}">
               <a14:hiddenLine xmlns:a14="http://schemas.microsoft.com/office/drawing/2010/main" w="9525">
                 <a:solidFill>
                   <a:srgbClr val="000000"/>
@@ -9554,14 +9554,14 @@
             <a:noFill/>
           </a:ln>
           <a:extLst>
-            <a:ext uri="{909E8E84-426E-40DD-AFC4-6F175D3DCCD1}">
+            <a:ext uri="{909E8E84-426E-40dd-AFC4-6F175D3DCCD1}">
               <a14:hiddenFill xmlns:a14="http://schemas.microsoft.com/office/drawing/2010/main">
                 <a:solidFill>
                   <a:srgbClr val="FFFFFF"/>
                 </a:solidFill>
               </a14:hiddenFill>
             </a:ext>
-            <a:ext uri="{91240B29-F687-4F45-9708-019B960494DF}">
+            <a:ext uri="{91240B29-F687-4f45-9708-019B960494DF}">
               <a14:hiddenLine xmlns:a14="http://schemas.microsoft.com/office/drawing/2010/main" w="9525">
                 <a:solidFill>
                   <a:srgbClr val="000000"/>
@@ -9625,14 +9625,14 @@
               <a:noFill/>
             </a:ln>
             <a:extLst>
-              <a:ext uri="{909E8E84-426E-40DD-AFC4-6F175D3DCCD1}">
+              <a:ext uri="{909E8E84-426E-40dd-AFC4-6F175D3DCCD1}">
                 <a14:hiddenFill xmlns:a14="http://schemas.microsoft.com/office/drawing/2010/main">
                   <a:solidFill>
                     <a:srgbClr val="FFFFFF"/>
                   </a:solidFill>
                 </a14:hiddenFill>
               </a:ext>
-              <a:ext uri="{91240B29-F687-4F45-9708-019B960494DF}">
+              <a:ext uri="{91240B29-F687-4f45-9708-019B960494DF}">
                 <a14:hiddenLine xmlns:a14="http://schemas.microsoft.com/office/drawing/2010/main" w="9525">
                   <a:solidFill>
                     <a:srgbClr val="000000"/>
@@ -9680,14 +9680,14 @@
               <a:noFill/>
             </a:ln>
             <a:extLst>
-              <a:ext uri="{909E8E84-426E-40DD-AFC4-6F175D3DCCD1}">
+              <a:ext uri="{909E8E84-426E-40dd-AFC4-6F175D3DCCD1}">
                 <a14:hiddenFill xmlns:a14="http://schemas.microsoft.com/office/drawing/2010/main">
                   <a:solidFill>
                     <a:srgbClr val="FFFFFF"/>
                   </a:solidFill>
                 </a14:hiddenFill>
               </a:ext>
-              <a:ext uri="{91240B29-F687-4F45-9708-019B960494DF}">
+              <a:ext uri="{91240B29-F687-4f45-9708-019B960494DF}">
                 <a14:hiddenLine xmlns:a14="http://schemas.microsoft.com/office/drawing/2010/main" w="9525">
                   <a:solidFill>
                     <a:srgbClr val="000000"/>
@@ -9706,7 +9706,7 @@
   <p:clrMapOvr>
     <a:masterClrMapping/>
   </p:clrMapOvr>
-  <p:transition/>
+  <p:transition xmlns:p14="http://schemas.microsoft.com/office/powerpoint/2010/main"/>
 </p:sld>
 </file>
 
@@ -9913,11 +9913,11 @@
   <p:clrMapOvr>
     <a:masterClrMapping/>
   </p:clrMapOvr>
-  <p:transition/>
+  <p:transition xmlns:p14="http://schemas.microsoft.com/office/powerpoint/2010/main"/>
   <p:timing>
     <p:tnLst>
       <p:par>
-        <p:cTn id="1" dur="indefinite" restart="never" nodeType="tmRoot"/>
+        <p:cTn xmlns:p14="http://schemas.microsoft.com/office/powerpoint/2010/main" id="1" dur="indefinite" restart="never" nodeType="tmRoot"/>
       </p:par>
     </p:tnLst>
   </p:timing>
@@ -9963,14 +9963,14 @@
           </a:ln>
           <a:effectLst/>
           <a:extLst>
-            <a:ext uri="{909E8E84-426E-40DD-AFC4-6F175D3DCCD1}">
+            <a:ext uri="{909E8E84-426E-40dd-AFC4-6F175D3DCCD1}">
               <a14:hiddenFill xmlns:a14="http://schemas.microsoft.com/office/drawing/2010/main">
                 <a:solidFill>
                   <a:schemeClr val="accent1"/>
                 </a:solidFill>
               </a14:hiddenFill>
             </a:ext>
-            <a:ext uri="{91240B29-F687-4F45-9708-019B960494DF}">
+            <a:ext uri="{91240B29-F687-4f45-9708-019B960494DF}">
               <a14:hiddenLine xmlns:a14="http://schemas.microsoft.com/office/drawing/2010/main" w="9525">
                 <a:solidFill>
                   <a:schemeClr val="tx1"/>
@@ -9980,7 +9980,7 @@
                 <a:tailEnd/>
               </a14:hiddenLine>
             </a:ext>
-            <a:ext uri="{AF507438-7753-43E0-B8FC-AC1667EBCBE1}">
+            <a:ext uri="{AF507438-7753-43e0-B8FC-AC1667EBCBE1}">
               <a14:hiddenEffects xmlns:a14="http://schemas.microsoft.com/office/drawing/2010/main">
                 <a:effectLst>
                   <a:outerShdw blurRad="63500" dist="38099" dir="2700000" algn="ctr" rotWithShape="0">
@@ -10291,7 +10291,7 @@
   <p:clrMapOvr>
     <a:masterClrMapping/>
   </p:clrMapOvr>
-  <p:transition/>
+  <p:transition xmlns:p14="http://schemas.microsoft.com/office/powerpoint/2010/main"/>
 </p:sld>
 </file>
 
@@ -10454,14 +10454,14 @@
           </a:ln>
           <a:effectLst/>
           <a:extLst>
-            <a:ext uri="{909E8E84-426E-40DD-AFC4-6F175D3DCCD1}">
+            <a:ext uri="{909E8E84-426E-40dd-AFC4-6F175D3DCCD1}">
               <a14:hiddenFill xmlns:a14="http://schemas.microsoft.com/office/drawing/2010/main">
                 <a:solidFill>
                   <a:schemeClr val="accent1"/>
                 </a:solidFill>
               </a14:hiddenFill>
             </a:ext>
-            <a:ext uri="{91240B29-F687-4F45-9708-019B960494DF}">
+            <a:ext uri="{91240B29-F687-4f45-9708-019B960494DF}">
               <a14:hiddenLine xmlns:a14="http://schemas.microsoft.com/office/drawing/2010/main" w="9525">
                 <a:solidFill>
                   <a:schemeClr val="tx1"/>
@@ -10471,7 +10471,7 @@
                 <a:tailEnd/>
               </a14:hiddenLine>
             </a:ext>
-            <a:ext uri="{AF507438-7753-43E0-B8FC-AC1667EBCBE1}">
+            <a:ext uri="{AF507438-7753-43e0-B8FC-AC1667EBCBE1}">
               <a14:hiddenEffects xmlns:a14="http://schemas.microsoft.com/office/drawing/2010/main">
                 <a:effectLst>
                   <a:outerShdw blurRad="63500" dist="38099" dir="2700000" algn="ctr" rotWithShape="0">
@@ -10490,7 +10490,7 @@
   <p:clrMapOvr>
     <a:masterClrMapping/>
   </p:clrMapOvr>
-  <p:transition/>
+  <p:transition xmlns:p14="http://schemas.microsoft.com/office/powerpoint/2010/main"/>
 </p:sld>
 </file>
 
@@ -10577,14 +10577,14 @@
           </a:ln>
           <a:effectLst/>
           <a:extLst>
-            <a:ext uri="{909E8E84-426E-40DD-AFC4-6F175D3DCCD1}">
+            <a:ext uri="{909E8E84-426E-40dd-AFC4-6F175D3DCCD1}">
               <a14:hiddenFill xmlns:a14="http://schemas.microsoft.com/office/drawing/2010/main">
                 <a:solidFill>
                   <a:schemeClr val="accent1"/>
                 </a:solidFill>
               </a14:hiddenFill>
             </a:ext>
-            <a:ext uri="{91240B29-F687-4F45-9708-019B960494DF}">
+            <a:ext uri="{91240B29-F687-4f45-9708-019B960494DF}">
               <a14:hiddenLine xmlns:a14="http://schemas.microsoft.com/office/drawing/2010/main" w="9525">
                 <a:solidFill>
                   <a:schemeClr val="tx1"/>
@@ -10594,7 +10594,7 @@
                 <a:tailEnd/>
               </a14:hiddenLine>
             </a:ext>
-            <a:ext uri="{AF507438-7753-43E0-B8FC-AC1667EBCBE1}">
+            <a:ext uri="{AF507438-7753-43e0-B8FC-AC1667EBCBE1}">
               <a14:hiddenEffects xmlns:a14="http://schemas.microsoft.com/office/drawing/2010/main">
                 <a:effectLst>
                   <a:outerShdw blurRad="63500" dist="38099" dir="2700000" algn="ctr" rotWithShape="0">
@@ -10630,14 +10630,14 @@
           </a:ln>
           <a:effectLst/>
           <a:extLst>
-            <a:ext uri="{909E8E84-426E-40DD-AFC4-6F175D3DCCD1}">
+            <a:ext uri="{909E8E84-426E-40dd-AFC4-6F175D3DCCD1}">
               <a14:hiddenFill xmlns:a14="http://schemas.microsoft.com/office/drawing/2010/main">
                 <a:solidFill>
                   <a:schemeClr val="accent1"/>
                 </a:solidFill>
               </a14:hiddenFill>
             </a:ext>
-            <a:ext uri="{91240B29-F687-4F45-9708-019B960494DF}">
+            <a:ext uri="{91240B29-F687-4f45-9708-019B960494DF}">
               <a14:hiddenLine xmlns:a14="http://schemas.microsoft.com/office/drawing/2010/main" w="9525">
                 <a:solidFill>
                   <a:schemeClr val="tx1"/>
@@ -10647,7 +10647,7 @@
                 <a:tailEnd/>
               </a14:hiddenLine>
             </a:ext>
-            <a:ext uri="{AF507438-7753-43E0-B8FC-AC1667EBCBE1}">
+            <a:ext uri="{AF507438-7753-43e0-B8FC-AC1667EBCBE1}">
               <a14:hiddenEffects xmlns:a14="http://schemas.microsoft.com/office/drawing/2010/main">
                 <a:effectLst>
                   <a:outerShdw blurRad="63500" dist="38099" dir="2700000" algn="ctr" rotWithShape="0">
@@ -10697,7 +10697,7 @@
   <p:clrMapOvr>
     <a:masterClrMapping/>
   </p:clrMapOvr>
-  <p:transition/>
+  <p:transition xmlns:p14="http://schemas.microsoft.com/office/powerpoint/2010/main"/>
 </p:sld>
 </file>
 
@@ -10722,7 +10722,7 @@
         <p:nvPicPr>
           <p:cNvPr id="57348" name="Picture 4"/>
           <p:cNvPicPr>
-            <a:picLocks noChangeAspect="1" noChangeArrowheads="1"/>
+            <a:picLocks noGrp="1" noChangeAspect="1" noChangeArrowheads="1"/>
           </p:cNvPicPr>
           <p:nvPr>
             <p:ph type="body" idx="1"/>
@@ -10750,14 +10750,14 @@
           <a:noFill/>
           <a:ln/>
           <a:extLst>
-            <a:ext uri="{909E8E84-426E-40DD-AFC4-6F175D3DCCD1}">
+            <a:ext uri="{909E8E84-426E-40dd-AFC4-6F175D3DCCD1}">
               <a14:hiddenFill xmlns:a14="http://schemas.microsoft.com/office/drawing/2010/main">
                 <a:solidFill>
                   <a:srgbClr val="FFFFFF"/>
                 </a:solidFill>
               </a14:hiddenFill>
             </a:ext>
-            <a:ext uri="{91240B29-F687-4F45-9708-019B960494DF}">
+            <a:ext uri="{91240B29-F687-4f45-9708-019B960494DF}">
               <a14:hiddenLine xmlns:a14="http://schemas.microsoft.com/office/drawing/2010/main" w="9525">
                 <a:solidFill>
                   <a:srgbClr val="000000"/>
@@ -10767,7 +10767,7 @@
                 <a:tailEnd/>
               </a14:hiddenLine>
             </a:ext>
-            <a:ext uri="{AF507438-7753-43E0-B8FC-AC1667EBCBE1}">
+            <a:ext uri="{AF507438-7753-43e0-B8FC-AC1667EBCBE1}">
               <a14:hiddenEffects xmlns:a14="http://schemas.microsoft.com/office/drawing/2010/main">
                 <a:effectLst>
                   <a:outerShdw blurRad="63500" dist="38099" dir="2700000" algn="ctr" rotWithShape="0">
@@ -10803,14 +10803,14 @@
           </a:ln>
           <a:effectLst/>
           <a:extLst>
-            <a:ext uri="{909E8E84-426E-40DD-AFC4-6F175D3DCCD1}">
+            <a:ext uri="{909E8E84-426E-40dd-AFC4-6F175D3DCCD1}">
               <a14:hiddenFill xmlns:a14="http://schemas.microsoft.com/office/drawing/2010/main">
                 <a:solidFill>
                   <a:schemeClr val="accent1"/>
                 </a:solidFill>
               </a14:hiddenFill>
             </a:ext>
-            <a:ext uri="{91240B29-F687-4F45-9708-019B960494DF}">
+            <a:ext uri="{91240B29-F687-4f45-9708-019B960494DF}">
               <a14:hiddenLine xmlns:a14="http://schemas.microsoft.com/office/drawing/2010/main" w="9525">
                 <a:solidFill>
                   <a:schemeClr val="tx1"/>
@@ -10820,7 +10820,7 @@
                 <a:tailEnd/>
               </a14:hiddenLine>
             </a:ext>
-            <a:ext uri="{AF507438-7753-43E0-B8FC-AC1667EBCBE1}">
+            <a:ext uri="{AF507438-7753-43e0-B8FC-AC1667EBCBE1}">
               <a14:hiddenEffects xmlns:a14="http://schemas.microsoft.com/office/drawing/2010/main">
                 <a:effectLst>
                   <a:outerShdw blurRad="63500" dist="38099" dir="2700000" algn="ctr" rotWithShape="0">
@@ -10979,7 +10979,7 @@
   <p:clrMapOvr>
     <a:masterClrMapping/>
   </p:clrMapOvr>
-  <p:transition/>
+  <p:transition xmlns:p14="http://schemas.microsoft.com/office/powerpoint/2010/main"/>
 </p:sld>
 </file>
 
@@ -11120,14 +11120,14 @@
             <a:noFill/>
           </a:ln>
           <a:extLst>
-            <a:ext uri="{909E8E84-426E-40DD-AFC4-6F175D3DCCD1}">
+            <a:ext uri="{909E8E84-426E-40dd-AFC4-6F175D3DCCD1}">
               <a14:hiddenFill xmlns:a14="http://schemas.microsoft.com/office/drawing/2010/main">
                 <a:solidFill>
                   <a:srgbClr val="FFFFFF"/>
                 </a:solidFill>
               </a14:hiddenFill>
             </a:ext>
-            <a:ext uri="{91240B29-F687-4F45-9708-019B960494DF}">
+            <a:ext uri="{91240B29-F687-4f45-9708-019B960494DF}">
               <a14:hiddenLine xmlns:a14="http://schemas.microsoft.com/office/drawing/2010/main" w="9525">
                 <a:solidFill>
                   <a:srgbClr val="000000"/>
@@ -11145,7 +11145,7 @@
   <p:clrMapOvr>
     <a:masterClrMapping/>
   </p:clrMapOvr>
-  <p:transition/>
+  <p:transition xmlns:p14="http://schemas.microsoft.com/office/powerpoint/2010/main"/>
 </p:sld>
 </file>
 
@@ -11223,7 +11223,7 @@
   <p:clrMapOvr>
     <a:masterClrMapping/>
   </p:clrMapOvr>
-  <p:transition/>
+  <p:transition xmlns:p14="http://schemas.microsoft.com/office/powerpoint/2010/main"/>
 </p:sld>
 </file>
 
@@ -11329,14 +11329,14 @@
             <a:noFill/>
           </a:ln>
           <a:extLst>
-            <a:ext uri="{909E8E84-426E-40DD-AFC4-6F175D3DCCD1}">
+            <a:ext uri="{909E8E84-426E-40dd-AFC4-6F175D3DCCD1}">
               <a14:hiddenFill xmlns:a14="http://schemas.microsoft.com/office/drawing/2010/main">
                 <a:solidFill>
                   <a:srgbClr val="FFFFFF"/>
                 </a:solidFill>
               </a14:hiddenFill>
             </a:ext>
-            <a:ext uri="{91240B29-F687-4F45-9708-019B960494DF}">
+            <a:ext uri="{91240B29-F687-4f45-9708-019B960494DF}">
               <a14:hiddenLine xmlns:a14="http://schemas.microsoft.com/office/drawing/2010/main" w="9525">
                 <a:solidFill>
                   <a:srgbClr val="000000"/>
@@ -11354,7 +11354,7 @@
   <p:clrMapOvr>
     <a:masterClrMapping/>
   </p:clrMapOvr>
-  <p:transition/>
+  <p:transition xmlns:p14="http://schemas.microsoft.com/office/powerpoint/2010/main"/>
 </p:sld>
 </file>
 
@@ -11493,11 +11493,11 @@
   <p:clrMapOvr>
     <a:masterClrMapping/>
   </p:clrMapOvr>
-  <p:transition/>
+  <p:transition xmlns:p14="http://schemas.microsoft.com/office/powerpoint/2010/main"/>
   <p:timing>
     <p:tnLst>
       <p:par>
-        <p:cTn id="1" dur="indefinite" restart="never" nodeType="tmRoot"/>
+        <p:cTn xmlns:p14="http://schemas.microsoft.com/office/powerpoint/2010/main" id="1" dur="indefinite" restart="never" nodeType="tmRoot"/>
       </p:par>
     </p:tnLst>
   </p:timing>
@@ -11580,11 +11580,11 @@
   <p:clrMapOvr>
     <a:masterClrMapping/>
   </p:clrMapOvr>
-  <p:transition/>
+  <p:transition xmlns:p14="http://schemas.microsoft.com/office/powerpoint/2010/main"/>
   <p:timing>
     <p:tnLst>
       <p:par>
-        <p:cTn id="1" dur="indefinite" restart="never" nodeType="tmRoot"/>
+        <p:cTn xmlns:p14="http://schemas.microsoft.com/office/powerpoint/2010/main" id="1" dur="indefinite" restart="never" nodeType="tmRoot"/>
       </p:par>
     </p:tnLst>
   </p:timing>
@@ -11761,14 +11761,14 @@
           </a:ln>
           <a:effectLst/>
           <a:extLst>
-            <a:ext uri="{909E8E84-426E-40DD-AFC4-6F175D3DCCD1}">
+            <a:ext uri="{909E8E84-426E-40dd-AFC4-6F175D3DCCD1}">
               <a14:hiddenFill xmlns:a14="http://schemas.microsoft.com/office/drawing/2010/main">
                 <a:solidFill>
                   <a:schemeClr val="accent1"/>
                 </a:solidFill>
               </a14:hiddenFill>
             </a:ext>
-            <a:ext uri="{91240B29-F687-4F45-9708-019B960494DF}">
+            <a:ext uri="{91240B29-F687-4f45-9708-019B960494DF}">
               <a14:hiddenLine xmlns:a14="http://schemas.microsoft.com/office/drawing/2010/main" w="9525">
                 <a:solidFill>
                   <a:schemeClr val="tx1"/>
@@ -11778,7 +11778,7 @@
                 <a:tailEnd/>
               </a14:hiddenLine>
             </a:ext>
-            <a:ext uri="{AF507438-7753-43E0-B8FC-AC1667EBCBE1}">
+            <a:ext uri="{AF507438-7753-43e0-B8FC-AC1667EBCBE1}">
               <a14:hiddenEffects xmlns:a14="http://schemas.microsoft.com/office/drawing/2010/main">
                 <a:effectLst>
                   <a:outerShdw blurRad="63500" dist="38099" dir="2700000" algn="ctr" rotWithShape="0">
@@ -11807,11 +11807,11 @@
   <p:clrMapOvr>
     <a:masterClrMapping/>
   </p:clrMapOvr>
-  <p:transition/>
+  <p:transition xmlns:p14="http://schemas.microsoft.com/office/powerpoint/2010/main"/>
   <p:timing>
     <p:tnLst>
       <p:par>
-        <p:cTn id="1" dur="indefinite" restart="never" nodeType="tmRoot"/>
+        <p:cTn xmlns:p14="http://schemas.microsoft.com/office/powerpoint/2010/main" id="1" dur="indefinite" restart="never" nodeType="tmRoot"/>
       </p:par>
     </p:tnLst>
   </p:timing>
@@ -11857,14 +11857,14 @@
           </a:ln>
           <a:effectLst/>
           <a:extLst>
-            <a:ext uri="{909E8E84-426E-40DD-AFC4-6F175D3DCCD1}">
+            <a:ext uri="{909E8E84-426E-40dd-AFC4-6F175D3DCCD1}">
               <a14:hiddenFill xmlns:a14="http://schemas.microsoft.com/office/drawing/2010/main">
                 <a:solidFill>
                   <a:schemeClr val="accent1"/>
                 </a:solidFill>
               </a14:hiddenFill>
             </a:ext>
-            <a:ext uri="{91240B29-F687-4F45-9708-019B960494DF}">
+            <a:ext uri="{91240B29-F687-4f45-9708-019B960494DF}">
               <a14:hiddenLine xmlns:a14="http://schemas.microsoft.com/office/drawing/2010/main" w="9525">
                 <a:solidFill>
                   <a:schemeClr val="tx1"/>
@@ -11874,7 +11874,7 @@
                 <a:tailEnd/>
               </a14:hiddenLine>
             </a:ext>
-            <a:ext uri="{AF507438-7753-43E0-B8FC-AC1667EBCBE1}">
+            <a:ext uri="{AF507438-7753-43e0-B8FC-AC1667EBCBE1}">
               <a14:hiddenEffects xmlns:a14="http://schemas.microsoft.com/office/drawing/2010/main">
                 <a:effectLst>
                   <a:outerShdw blurRad="63500" dist="38099" dir="2700000" algn="ctr" rotWithShape="0">
@@ -12221,14 +12221,14 @@
             <a:noFill/>
           </a:ln>
           <a:extLst>
-            <a:ext uri="{909E8E84-426E-40DD-AFC4-6F175D3DCCD1}">
+            <a:ext uri="{909E8E84-426E-40dd-AFC4-6F175D3DCCD1}">
               <a14:hiddenFill xmlns:a14="http://schemas.microsoft.com/office/drawing/2010/main">
                 <a:solidFill>
                   <a:srgbClr val="FFFFFF"/>
                 </a:solidFill>
               </a14:hiddenFill>
             </a:ext>
-            <a:ext uri="{91240B29-F687-4F45-9708-019B960494DF}">
+            <a:ext uri="{91240B29-F687-4f45-9708-019B960494DF}">
               <a14:hiddenLine xmlns:a14="http://schemas.microsoft.com/office/drawing/2010/main" w="9525">
                 <a:solidFill>
                   <a:srgbClr val="000000"/>
@@ -12246,11 +12246,11 @@
   <p:clrMapOvr>
     <a:masterClrMapping/>
   </p:clrMapOvr>
-  <p:transition/>
+  <p:transition xmlns:p14="http://schemas.microsoft.com/office/powerpoint/2010/main"/>
   <p:timing>
     <p:tnLst>
       <p:par>
-        <p:cTn id="1" dur="indefinite" restart="never" nodeType="tmRoot"/>
+        <p:cTn xmlns:p14="http://schemas.microsoft.com/office/powerpoint/2010/main" id="1" dur="indefinite" restart="never" nodeType="tmRoot"/>
       </p:par>
     </p:tnLst>
   </p:timing>
@@ -12296,14 +12296,14 @@
           </a:ln>
           <a:effectLst/>
           <a:extLst>
-            <a:ext uri="{909E8E84-426E-40DD-AFC4-6F175D3DCCD1}">
+            <a:ext uri="{909E8E84-426E-40dd-AFC4-6F175D3DCCD1}">
               <a14:hiddenFill xmlns:a14="http://schemas.microsoft.com/office/drawing/2010/main">
                 <a:solidFill>
                   <a:schemeClr val="accent1"/>
                 </a:solidFill>
               </a14:hiddenFill>
             </a:ext>
-            <a:ext uri="{91240B29-F687-4F45-9708-019B960494DF}">
+            <a:ext uri="{91240B29-F687-4f45-9708-019B960494DF}">
               <a14:hiddenLine xmlns:a14="http://schemas.microsoft.com/office/drawing/2010/main" w="9525">
                 <a:solidFill>
                   <a:schemeClr val="tx1"/>
@@ -12313,7 +12313,7 @@
                 <a:tailEnd/>
               </a14:hiddenLine>
             </a:ext>
-            <a:ext uri="{AF507438-7753-43E0-B8FC-AC1667EBCBE1}">
+            <a:ext uri="{AF507438-7753-43e0-B8FC-AC1667EBCBE1}">
               <a14:hiddenEffects xmlns:a14="http://schemas.microsoft.com/office/drawing/2010/main">
                 <a:effectLst>
                   <a:outerShdw blurRad="63500" dist="38099" dir="2700000" algn="ctr" rotWithShape="0">
@@ -12602,57 +12602,26 @@
       </p:sp>
       <p:pic>
         <p:nvPicPr>
-          <p:cNvPr id="23559" name="Picture 7"/>
+          <p:cNvPr id="3" name="Picture 2"/>
           <p:cNvPicPr>
-            <a:picLocks noChangeAspect="1" noChangeArrowheads="1"/>
+            <a:picLocks noChangeAspect="1"/>
           </p:cNvPicPr>
           <p:nvPr/>
         </p:nvPicPr>
         <p:blipFill>
-          <a:blip r:embed="rId2">
-            <a:lum bright="-6000" contrast="36000"/>
-            <a:extLst>
-              <a:ext uri="{28A0092B-C50C-407E-A947-70E740481C1C}">
-                <a14:useLocalDpi xmlns:a14="http://schemas.microsoft.com/office/drawing/2010/main" val="0"/>
-              </a:ext>
-            </a:extLst>
-          </a:blip>
-          <a:srcRect l="1021"/>
+          <a:blip r:embed="rId2"/>
           <a:stretch>
             <a:fillRect/>
           </a:stretch>
         </p:blipFill>
-        <p:spPr bwMode="auto">
+        <p:spPr>
           <a:xfrm>
-            <a:off x="1066800" y="3200400"/>
-            <a:ext cx="6096000" cy="314325"/>
+            <a:off x="914400" y="2895600"/>
+            <a:ext cx="7988300" cy="342900"/>
           </a:xfrm>
           <a:prstGeom prst="rect">
             <a:avLst/>
           </a:prstGeom>
-          <a:noFill/>
-          <a:ln>
-            <a:noFill/>
-          </a:ln>
-          <a:extLst>
-            <a:ext uri="{909E8E84-426E-40DD-AFC4-6F175D3DCCD1}">
-              <a14:hiddenFill xmlns:a14="http://schemas.microsoft.com/office/drawing/2010/main">
-                <a:solidFill>
-                  <a:srgbClr val="FFFFFF"/>
-                </a:solidFill>
-              </a14:hiddenFill>
-            </a:ext>
-            <a:ext uri="{91240B29-F687-4F45-9708-019B960494DF}">
-              <a14:hiddenLine xmlns:a14="http://schemas.microsoft.com/office/drawing/2010/main" w="9525">
-                <a:solidFill>
-                  <a:srgbClr val="000000"/>
-                </a:solidFill>
-                <a:miter lim="800000"/>
-                <a:headEnd/>
-                <a:tailEnd/>
-              </a14:hiddenLine>
-            </a:ext>
-          </a:extLst>
         </p:spPr>
       </p:pic>
     </p:spTree>
@@ -12660,11 +12629,11 @@
   <p:clrMapOvr>
     <a:masterClrMapping/>
   </p:clrMapOvr>
-  <p:transition/>
+  <p:transition xmlns:p14="http://schemas.microsoft.com/office/powerpoint/2010/main"/>
   <p:timing>
     <p:tnLst>
       <p:par>
-        <p:cTn id="1" dur="indefinite" restart="never" nodeType="tmRoot"/>
+        <p:cTn xmlns:p14="http://schemas.microsoft.com/office/powerpoint/2010/main" id="1" dur="indefinite" restart="never" nodeType="tmRoot"/>
       </p:par>
     </p:tnLst>
   </p:timing>
@@ -12859,14 +12828,14 @@
             <a:noFill/>
           </a:ln>
           <a:extLst>
-            <a:ext uri="{909E8E84-426E-40DD-AFC4-6F175D3DCCD1}">
+            <a:ext uri="{909E8E84-426E-40dd-AFC4-6F175D3DCCD1}">
               <a14:hiddenFill xmlns:a14="http://schemas.microsoft.com/office/drawing/2010/main">
                 <a:solidFill>
                   <a:srgbClr val="FFFFFF"/>
                 </a:solidFill>
               </a14:hiddenFill>
             </a:ext>
-            <a:ext uri="{91240B29-F687-4F45-9708-019B960494DF}">
+            <a:ext uri="{91240B29-F687-4f45-9708-019B960494DF}">
               <a14:hiddenLine xmlns:a14="http://schemas.microsoft.com/office/drawing/2010/main" w="9525">
                 <a:solidFill>
                   <a:srgbClr val="000000"/>
@@ -12914,14 +12883,14 @@
             <a:noFill/>
           </a:ln>
           <a:extLst>
-            <a:ext uri="{909E8E84-426E-40DD-AFC4-6F175D3DCCD1}">
+            <a:ext uri="{909E8E84-426E-40dd-AFC4-6F175D3DCCD1}">
               <a14:hiddenFill xmlns:a14="http://schemas.microsoft.com/office/drawing/2010/main">
                 <a:solidFill>
                   <a:srgbClr val="FFFFFF"/>
                 </a:solidFill>
               </a14:hiddenFill>
             </a:ext>
-            <a:ext uri="{91240B29-F687-4F45-9708-019B960494DF}">
+            <a:ext uri="{91240B29-F687-4f45-9708-019B960494DF}">
               <a14:hiddenLine xmlns:a14="http://schemas.microsoft.com/office/drawing/2010/main" w="9525">
                 <a:solidFill>
                   <a:srgbClr val="000000"/>
@@ -12969,14 +12938,14 @@
           </a:ln>
           <a:effectLst/>
           <a:extLst>
-            <a:ext uri="{909E8E84-426E-40DD-AFC4-6F175D3DCCD1}">
+            <a:ext uri="{909E8E84-426E-40dd-AFC4-6F175D3DCCD1}">
               <a14:hiddenFill xmlns:a14="http://schemas.microsoft.com/office/drawing/2010/main">
                 <a:solidFill>
                   <a:schemeClr val="accent1"/>
                 </a:solidFill>
               </a14:hiddenFill>
             </a:ext>
-            <a:ext uri="{91240B29-F687-4F45-9708-019B960494DF}">
+            <a:ext uri="{91240B29-F687-4f45-9708-019B960494DF}">
               <a14:hiddenLine xmlns:a14="http://schemas.microsoft.com/office/drawing/2010/main" w="9525">
                 <a:solidFill>
                   <a:schemeClr val="tx1"/>
@@ -12986,7 +12955,7 @@
                 <a:tailEnd/>
               </a14:hiddenLine>
             </a:ext>
-            <a:ext uri="{AF507438-7753-43E0-B8FC-AC1667EBCBE1}">
+            <a:ext uri="{AF507438-7753-43e0-B8FC-AC1667EBCBE1}">
               <a14:hiddenEffects xmlns:a14="http://schemas.microsoft.com/office/drawing/2010/main">
                 <a:effectLst>
                   <a:outerShdw blurRad="63500" dist="38099" dir="2700000" algn="ctr" rotWithShape="0">
@@ -13005,11 +12974,11 @@
   <p:clrMapOvr>
     <a:masterClrMapping/>
   </p:clrMapOvr>
-  <p:transition/>
+  <p:transition xmlns:p14="http://schemas.microsoft.com/office/powerpoint/2010/main"/>
   <p:timing>
     <p:tnLst>
       <p:par>
-        <p:cTn id="1" dur="indefinite" restart="never" nodeType="tmRoot"/>
+        <p:cTn xmlns:p14="http://schemas.microsoft.com/office/powerpoint/2010/main" id="1" dur="indefinite" restart="never" nodeType="tmRoot"/>
       </p:par>
     </p:tnLst>
   </p:timing>
@@ -13540,7 +13509,7 @@
   </a:extraClrSchemeLst>
   <a:extLst>
     <a:ext uri="{05A4C25C-085E-4340-85A3-A5531E510DB2}">
-      <thm15:themeFamily xmlns:thm15="http://schemas.microsoft.com/office/thememl/2012/main" name="Office Theme" id="{62F939B6-93AF-4DB8-9C6B-D6C7DFDC589F}" vid="{4A3C46E8-61CC-4603-A589-7422A47A8E4A}"/>
+      <thm15:themeFamily xmlns:thm15="http://schemas.microsoft.com/office/thememl/2012/main" xmlns="" name="Office Theme" id="{62F939B6-93AF-4DB8-9C6B-D6C7DFDC589F}" vid="{4A3C46E8-61CC-4603-A589-7422A47A8E4A}"/>
     </a:ext>
   </a:extLst>
 </a:theme>
